--- a/Control de Gabinetes.pptx
+++ b/Control de Gabinetes.pptx
@@ -105,15 +105,12 @@
       </a:defRPr>
     </a:lvl9pPr>
   </p:defaultTextStyle>
+  <p:extLst>
+    <p:ext uri="{EFAFB233-063F-42B5-8137-9DF3F51BA10A}">
+      <p15:sldGuideLst xmlns:p15="http://schemas.microsoft.com/office/powerpoint/2012/main"/>
+    </p:ext>
+  </p:extLst>
 </p:presentation>
-</file>
-
-<file path=ppt/revisionInfo.xml><?xml version="1.0" encoding="utf-8"?>
-<p1510:revInfo xmlns:a="http://schemas.openxmlformats.org/drawingml/2006/main" xmlns:r="http://schemas.openxmlformats.org/officeDocument/2006/relationships" xmlns:p1510="http://schemas.microsoft.com/office/powerpoint/2015/10/main">
-  <p1510:revLst>
-    <p1510:client id="{ACE1016C-7663-4800-B271-7B0645302EA5}" v="1" dt="2021-05-10T01:29:29.578"/>
-  </p1510:revLst>
-</p1510:revInfo>
 </file>
 
 <file path=ppt/changesInfos/changesInfo1.xml><?xml version="1.0" encoding="utf-8"?>
@@ -302,6 +299,30 @@
       </pc:sldChg>
     </pc:docChg>
   </pc:docChgLst>
+  <pc:docChgLst>
+    <pc:chgData name="Juan David Cardenas Yara" userId="b0afe02631d6f9bf" providerId="LiveId" clId="{5B3D9036-18FA-477A-801B-A8361E4633A7}"/>
+    <pc:docChg chg="modSld">
+      <pc:chgData name="Juan David Cardenas Yara" userId="b0afe02631d6f9bf" providerId="LiveId" clId="{5B3D9036-18FA-477A-801B-A8361E4633A7}" dt="2021-07-01T02:51:39.551" v="22" actId="20577"/>
+      <pc:docMkLst>
+        <pc:docMk/>
+      </pc:docMkLst>
+      <pc:sldChg chg="modSp mod">
+        <pc:chgData name="Juan David Cardenas Yara" userId="b0afe02631d6f9bf" providerId="LiveId" clId="{5B3D9036-18FA-477A-801B-A8361E4633A7}" dt="2021-07-01T02:51:39.551" v="22" actId="20577"/>
+        <pc:sldMkLst>
+          <pc:docMk/>
+          <pc:sldMk cId="1660004847" sldId="256"/>
+        </pc:sldMkLst>
+        <pc:spChg chg="mod">
+          <ac:chgData name="Juan David Cardenas Yara" userId="b0afe02631d6f9bf" providerId="LiveId" clId="{5B3D9036-18FA-477A-801B-A8361E4633A7}" dt="2021-07-01T02:51:39.551" v="22" actId="20577"/>
+          <ac:spMkLst>
+            <pc:docMk/>
+            <pc:sldMk cId="1660004847" sldId="256"/>
+            <ac:spMk id="4" creationId="{C320E42C-C57E-4E47-8357-6890CCBACD48}"/>
+          </ac:spMkLst>
+        </pc:spChg>
+      </pc:sldChg>
+    </pc:docChg>
+  </pc:docChgLst>
 </pc:chgInfo>
 </file>
 
@@ -454,9 +475,9 @@
           <a:p>
             <a:fld id="{AA433FBF-1E5E-4461-8774-A597D76496F6}" type="datetimeFigureOut">
               <a:rPr lang="es-CO" smtClean="0"/>
-              <a:t>9/05/2021</a:t>
+              <a:t>30/06/2021</a:t>
             </a:fld>
-            <a:endParaRPr lang="es-CO"/>
+            <a:endParaRPr lang="es-CO" dirty="0"/>
           </a:p>
         </p:txBody>
       </p:sp>
@@ -481,7 +502,7 @@
           <a:bodyPr/>
           <a:lstStyle/>
           <a:p>
-            <a:endParaRPr lang="es-CO"/>
+            <a:endParaRPr lang="es-CO" dirty="0"/>
           </a:p>
         </p:txBody>
       </p:sp>
@@ -510,7 +531,7 @@
               <a:rPr lang="es-CO" smtClean="0"/>
               <a:t>‹Nº›</a:t>
             </a:fld>
-            <a:endParaRPr lang="es-CO"/>
+            <a:endParaRPr lang="es-CO" dirty="0"/>
           </a:p>
         </p:txBody>
       </p:sp>
@@ -654,9 +675,9 @@
           <a:p>
             <a:fld id="{AA433FBF-1E5E-4461-8774-A597D76496F6}" type="datetimeFigureOut">
               <a:rPr lang="es-CO" smtClean="0"/>
-              <a:t>9/05/2021</a:t>
+              <a:t>30/06/2021</a:t>
             </a:fld>
-            <a:endParaRPr lang="es-CO"/>
+            <a:endParaRPr lang="es-CO" dirty="0"/>
           </a:p>
         </p:txBody>
       </p:sp>
@@ -681,7 +702,7 @@
           <a:bodyPr/>
           <a:lstStyle/>
           <a:p>
-            <a:endParaRPr lang="es-CO"/>
+            <a:endParaRPr lang="es-CO" dirty="0"/>
           </a:p>
         </p:txBody>
       </p:sp>
@@ -710,7 +731,7 @@
               <a:rPr lang="es-CO" smtClean="0"/>
               <a:t>‹Nº›</a:t>
             </a:fld>
-            <a:endParaRPr lang="es-CO"/>
+            <a:endParaRPr lang="es-CO" dirty="0"/>
           </a:p>
         </p:txBody>
       </p:sp>
@@ -864,9 +885,9 @@
           <a:p>
             <a:fld id="{AA433FBF-1E5E-4461-8774-A597D76496F6}" type="datetimeFigureOut">
               <a:rPr lang="es-CO" smtClean="0"/>
-              <a:t>9/05/2021</a:t>
+              <a:t>30/06/2021</a:t>
             </a:fld>
-            <a:endParaRPr lang="es-CO"/>
+            <a:endParaRPr lang="es-CO" dirty="0"/>
           </a:p>
         </p:txBody>
       </p:sp>
@@ -891,7 +912,7 @@
           <a:bodyPr/>
           <a:lstStyle/>
           <a:p>
-            <a:endParaRPr lang="es-CO"/>
+            <a:endParaRPr lang="es-CO" dirty="0"/>
           </a:p>
         </p:txBody>
       </p:sp>
@@ -920,7 +941,7 @@
               <a:rPr lang="es-CO" smtClean="0"/>
               <a:t>‹Nº›</a:t>
             </a:fld>
-            <a:endParaRPr lang="es-CO"/>
+            <a:endParaRPr lang="es-CO" dirty="0"/>
           </a:p>
         </p:txBody>
       </p:sp>
@@ -1064,9 +1085,9 @@
           <a:p>
             <a:fld id="{AA433FBF-1E5E-4461-8774-A597D76496F6}" type="datetimeFigureOut">
               <a:rPr lang="es-CO" smtClean="0"/>
-              <a:t>9/05/2021</a:t>
+              <a:t>30/06/2021</a:t>
             </a:fld>
-            <a:endParaRPr lang="es-CO"/>
+            <a:endParaRPr lang="es-CO" dirty="0"/>
           </a:p>
         </p:txBody>
       </p:sp>
@@ -1091,7 +1112,7 @@
           <a:bodyPr/>
           <a:lstStyle/>
           <a:p>
-            <a:endParaRPr lang="es-CO"/>
+            <a:endParaRPr lang="es-CO" dirty="0"/>
           </a:p>
         </p:txBody>
       </p:sp>
@@ -1120,7 +1141,7 @@
               <a:rPr lang="es-CO" smtClean="0"/>
               <a:t>‹Nº›</a:t>
             </a:fld>
-            <a:endParaRPr lang="es-CO"/>
+            <a:endParaRPr lang="es-CO" dirty="0"/>
           </a:p>
         </p:txBody>
       </p:sp>
@@ -1340,9 +1361,9 @@
           <a:p>
             <a:fld id="{AA433FBF-1E5E-4461-8774-A597D76496F6}" type="datetimeFigureOut">
               <a:rPr lang="es-CO" smtClean="0"/>
-              <a:t>9/05/2021</a:t>
+              <a:t>30/06/2021</a:t>
             </a:fld>
-            <a:endParaRPr lang="es-CO"/>
+            <a:endParaRPr lang="es-CO" dirty="0"/>
           </a:p>
         </p:txBody>
       </p:sp>
@@ -1367,7 +1388,7 @@
           <a:bodyPr/>
           <a:lstStyle/>
           <a:p>
-            <a:endParaRPr lang="es-CO"/>
+            <a:endParaRPr lang="es-CO" dirty="0"/>
           </a:p>
         </p:txBody>
       </p:sp>
@@ -1396,7 +1417,7 @@
               <a:rPr lang="es-CO" smtClean="0"/>
               <a:t>‹Nº›</a:t>
             </a:fld>
-            <a:endParaRPr lang="es-CO"/>
+            <a:endParaRPr lang="es-CO" dirty="0"/>
           </a:p>
         </p:txBody>
       </p:sp>
@@ -1608,9 +1629,9 @@
           <a:p>
             <a:fld id="{AA433FBF-1E5E-4461-8774-A597D76496F6}" type="datetimeFigureOut">
               <a:rPr lang="es-CO" smtClean="0"/>
-              <a:t>9/05/2021</a:t>
+              <a:t>30/06/2021</a:t>
             </a:fld>
-            <a:endParaRPr lang="es-CO"/>
+            <a:endParaRPr lang="es-CO" dirty="0"/>
           </a:p>
         </p:txBody>
       </p:sp>
@@ -1635,7 +1656,7 @@
           <a:bodyPr/>
           <a:lstStyle/>
           <a:p>
-            <a:endParaRPr lang="es-CO"/>
+            <a:endParaRPr lang="es-CO" dirty="0"/>
           </a:p>
         </p:txBody>
       </p:sp>
@@ -1664,7 +1685,7 @@
               <a:rPr lang="es-CO" smtClean="0"/>
               <a:t>‹Nº›</a:t>
             </a:fld>
-            <a:endParaRPr lang="es-CO"/>
+            <a:endParaRPr lang="es-CO" dirty="0"/>
           </a:p>
         </p:txBody>
       </p:sp>
@@ -2023,9 +2044,9 @@
           <a:p>
             <a:fld id="{AA433FBF-1E5E-4461-8774-A597D76496F6}" type="datetimeFigureOut">
               <a:rPr lang="es-CO" smtClean="0"/>
-              <a:t>9/05/2021</a:t>
+              <a:t>30/06/2021</a:t>
             </a:fld>
-            <a:endParaRPr lang="es-CO"/>
+            <a:endParaRPr lang="es-CO" dirty="0"/>
           </a:p>
         </p:txBody>
       </p:sp>
@@ -2050,7 +2071,7 @@
           <a:bodyPr/>
           <a:lstStyle/>
           <a:p>
-            <a:endParaRPr lang="es-CO"/>
+            <a:endParaRPr lang="es-CO" dirty="0"/>
           </a:p>
         </p:txBody>
       </p:sp>
@@ -2079,7 +2100,7 @@
               <a:rPr lang="es-CO" smtClean="0"/>
               <a:t>‹Nº›</a:t>
             </a:fld>
-            <a:endParaRPr lang="es-CO"/>
+            <a:endParaRPr lang="es-CO" dirty="0"/>
           </a:p>
         </p:txBody>
       </p:sp>
@@ -2165,9 +2186,9 @@
           <a:p>
             <a:fld id="{AA433FBF-1E5E-4461-8774-A597D76496F6}" type="datetimeFigureOut">
               <a:rPr lang="es-CO" smtClean="0"/>
-              <a:t>9/05/2021</a:t>
+              <a:t>30/06/2021</a:t>
             </a:fld>
-            <a:endParaRPr lang="es-CO"/>
+            <a:endParaRPr lang="es-CO" dirty="0"/>
           </a:p>
         </p:txBody>
       </p:sp>
@@ -2192,7 +2213,7 @@
           <a:bodyPr/>
           <a:lstStyle/>
           <a:p>
-            <a:endParaRPr lang="es-CO"/>
+            <a:endParaRPr lang="es-CO" dirty="0"/>
           </a:p>
         </p:txBody>
       </p:sp>
@@ -2221,7 +2242,7 @@
               <a:rPr lang="es-CO" smtClean="0"/>
               <a:t>‹Nº›</a:t>
             </a:fld>
-            <a:endParaRPr lang="es-CO"/>
+            <a:endParaRPr lang="es-CO" dirty="0"/>
           </a:p>
         </p:txBody>
       </p:sp>
@@ -2278,9 +2299,9 @@
           <a:p>
             <a:fld id="{AA433FBF-1E5E-4461-8774-A597D76496F6}" type="datetimeFigureOut">
               <a:rPr lang="es-CO" smtClean="0"/>
-              <a:t>9/05/2021</a:t>
+              <a:t>30/06/2021</a:t>
             </a:fld>
-            <a:endParaRPr lang="es-CO"/>
+            <a:endParaRPr lang="es-CO" dirty="0"/>
           </a:p>
         </p:txBody>
       </p:sp>
@@ -2305,7 +2326,7 @@
           <a:bodyPr/>
           <a:lstStyle/>
           <a:p>
-            <a:endParaRPr lang="es-CO"/>
+            <a:endParaRPr lang="es-CO" dirty="0"/>
           </a:p>
         </p:txBody>
       </p:sp>
@@ -2334,7 +2355,7 @@
               <a:rPr lang="es-CO" smtClean="0"/>
               <a:t>‹Nº›</a:t>
             </a:fld>
-            <a:endParaRPr lang="es-CO"/>
+            <a:endParaRPr lang="es-CO" dirty="0"/>
           </a:p>
         </p:txBody>
       </p:sp>
@@ -2591,9 +2612,9 @@
           <a:p>
             <a:fld id="{AA433FBF-1E5E-4461-8774-A597D76496F6}" type="datetimeFigureOut">
               <a:rPr lang="es-CO" smtClean="0"/>
-              <a:t>9/05/2021</a:t>
+              <a:t>30/06/2021</a:t>
             </a:fld>
-            <a:endParaRPr lang="es-CO"/>
+            <a:endParaRPr lang="es-CO" dirty="0"/>
           </a:p>
         </p:txBody>
       </p:sp>
@@ -2618,7 +2639,7 @@
           <a:bodyPr/>
           <a:lstStyle/>
           <a:p>
-            <a:endParaRPr lang="es-CO"/>
+            <a:endParaRPr lang="es-CO" dirty="0"/>
           </a:p>
         </p:txBody>
       </p:sp>
@@ -2647,7 +2668,7 @@
               <a:rPr lang="es-CO" smtClean="0"/>
               <a:t>‹Nº›</a:t>
             </a:fld>
-            <a:endParaRPr lang="es-CO"/>
+            <a:endParaRPr lang="es-CO" dirty="0"/>
           </a:p>
         </p:txBody>
       </p:sp>
@@ -2782,7 +2803,7 @@
             </a:lvl9pPr>
           </a:lstStyle>
           <a:p>
-            <a:endParaRPr lang="es-CO"/>
+            <a:endParaRPr lang="es-CO" dirty="0"/>
           </a:p>
         </p:txBody>
       </p:sp>
@@ -2880,9 +2901,9 @@
           <a:p>
             <a:fld id="{AA433FBF-1E5E-4461-8774-A597D76496F6}" type="datetimeFigureOut">
               <a:rPr lang="es-CO" smtClean="0"/>
-              <a:t>9/05/2021</a:t>
+              <a:t>30/06/2021</a:t>
             </a:fld>
-            <a:endParaRPr lang="es-CO"/>
+            <a:endParaRPr lang="es-CO" dirty="0"/>
           </a:p>
         </p:txBody>
       </p:sp>
@@ -2907,7 +2928,7 @@
           <a:bodyPr/>
           <a:lstStyle/>
           <a:p>
-            <a:endParaRPr lang="es-CO"/>
+            <a:endParaRPr lang="es-CO" dirty="0"/>
           </a:p>
         </p:txBody>
       </p:sp>
@@ -2936,7 +2957,7 @@
               <a:rPr lang="es-CO" smtClean="0"/>
               <a:t>‹Nº›</a:t>
             </a:fld>
-            <a:endParaRPr lang="es-CO"/>
+            <a:endParaRPr lang="es-CO" dirty="0"/>
           </a:p>
         </p:txBody>
       </p:sp>
@@ -3123,9 +3144,9 @@
           <a:p>
             <a:fld id="{AA433FBF-1E5E-4461-8774-A597D76496F6}" type="datetimeFigureOut">
               <a:rPr lang="es-CO" smtClean="0"/>
-              <a:t>9/05/2021</a:t>
+              <a:t>30/06/2021</a:t>
             </a:fld>
-            <a:endParaRPr lang="es-CO"/>
+            <a:endParaRPr lang="es-CO" dirty="0"/>
           </a:p>
         </p:txBody>
       </p:sp>
@@ -3168,7 +3189,7 @@
             </a:lvl1pPr>
           </a:lstStyle>
           <a:p>
-            <a:endParaRPr lang="es-CO"/>
+            <a:endParaRPr lang="es-CO" dirty="0"/>
           </a:p>
         </p:txBody>
       </p:sp>
@@ -3215,7 +3236,7 @@
               <a:rPr lang="es-CO" smtClean="0"/>
               <a:t>‹Nº›</a:t>
             </a:fld>
-            <a:endParaRPr lang="es-CO"/>
+            <a:endParaRPr lang="es-CO" dirty="0"/>
           </a:p>
         </p:txBody>
       </p:sp>
@@ -3618,7 +3639,7 @@
                   <a:schemeClr val="tx1"/>
                 </a:solidFill>
               </a:rPr>
-              <a:t>Control de Gabinetes</a:t>
+              <a:t>Monitoreo de Gabinetes</a:t>
             </a:r>
           </a:p>
         </p:txBody>
